--- a/eda_Zahra_Mahmoodabadi.pptx
+++ b/eda_Zahra_Mahmoodabadi.pptx
@@ -5,10 +5,10 @@
     <p:sldMasterId id="2147483650" r:id="rId4"/>
   </p:sldMasterIdLst>
   <p:notesMasterIdLst>
-    <p:notesMasterId r:id="rId24"/>
+    <p:notesMasterId r:id="rId30"/>
   </p:notesMasterIdLst>
   <p:handoutMasterIdLst>
-    <p:handoutMasterId r:id="rId25"/>
+    <p:handoutMasterId r:id="rId31"/>
   </p:handoutMasterIdLst>
   <p:sldIdLst>
     <p:sldId id="312" r:id="rId5"/>
@@ -30,6 +30,12 @@
     <p:sldId id="333" r:id="rId21"/>
     <p:sldId id="334" r:id="rId22"/>
     <p:sldId id="335" r:id="rId23"/>
+    <p:sldId id="336" r:id="rId24"/>
+    <p:sldId id="337" r:id="rId25"/>
+    <p:sldId id="338" r:id="rId26"/>
+    <p:sldId id="339" r:id="rId27"/>
+    <p:sldId id="340" r:id="rId28"/>
+    <p:sldId id="341" r:id="rId29"/>
   </p:sldIdLst>
   <p:sldSz cx="12192000" cy="6858000"/>
   <p:notesSz cx="13716000" cy="24384000"/>
@@ -17263,11 +17269,11 @@
               <a:rPr lang="en-US" dirty="0"/>
             </a:br>
             <a:r>
-              <a:rPr lang="en-US" dirty="0"/>
+              <a:rPr lang="en-US" sz="2400" dirty="0"/>
               <a:t>By: Zahra </a:t>
             </a:r>
             <a:r>
-              <a:rPr lang="en-US" dirty="0" err="1"/>
+              <a:rPr lang="en-US" sz="2400" dirty="0" err="1"/>
               <a:t>Mahmoodabadi</a:t>
             </a:r>
             <a:endParaRPr lang="en-US" dirty="0"/>
@@ -19224,6 +19230,1313 @@
     <p:extLst>
       <p:ext uri="{BB962C8B-B14F-4D97-AF65-F5344CB8AC3E}">
         <p14:creationId xmlns:p14="http://schemas.microsoft.com/office/powerpoint/2010/main" val="3913219759"/>
+      </p:ext>
+    </p:extLst>
+  </p:cSld>
+  <p:clrMapOvr>
+    <a:masterClrMapping/>
+  </p:clrMapOvr>
+</p:sld>
+</file>
+
+<file path=ppt/slides/slide20.xml><?xml version="1.0" encoding="utf-8"?>
+<p:sld xmlns:a="http://schemas.openxmlformats.org/drawingml/2006/main" xmlns:r="http://schemas.openxmlformats.org/officeDocument/2006/relationships" xmlns:p="http://schemas.openxmlformats.org/presentationml/2006/main">
+  <p:cSld>
+    <p:spTree>
+      <p:nvGrpSpPr>
+        <p:cNvPr id="1" name=""/>
+        <p:cNvGrpSpPr/>
+        <p:nvPr/>
+      </p:nvGrpSpPr>
+      <p:grpSpPr>
+        <a:xfrm>
+          <a:off x="0" y="0"/>
+          <a:ext cx="0" cy="0"/>
+          <a:chOff x="0" y="0"/>
+          <a:chExt cx="0" cy="0"/>
+        </a:xfrm>
+      </p:grpSpPr>
+      <p:sp>
+        <p:nvSpPr>
+          <p:cNvPr id="2" name="Title 1">
+            <a:extLst>
+              <a:ext uri="{FF2B5EF4-FFF2-40B4-BE49-F238E27FC236}">
+                <a16:creationId xmlns:a16="http://schemas.microsoft.com/office/drawing/2014/main" id="{E27D1048-8558-4BCE-9DAF-F6F5C616A333}"/>
+              </a:ext>
+            </a:extLst>
+          </p:cNvPr>
+          <p:cNvSpPr>
+            <a:spLocks noGrp="1"/>
+          </p:cNvSpPr>
+          <p:nvPr>
+            <p:ph type="title"/>
+          </p:nvPr>
+        </p:nvSpPr>
+        <p:spPr/>
+        <p:txBody>
+          <a:bodyPr/>
+          <a:lstStyle/>
+          <a:p>
+            <a:r>
+              <a:rPr lang="en-US" dirty="0"/>
+              <a:t>Hypothesis test</a:t>
+            </a:r>
+          </a:p>
+        </p:txBody>
+      </p:sp>
+      <p:sp>
+        <p:nvSpPr>
+          <p:cNvPr id="3" name="Slide Number Placeholder 2">
+            <a:extLst>
+              <a:ext uri="{FF2B5EF4-FFF2-40B4-BE49-F238E27FC236}">
+                <a16:creationId xmlns:a16="http://schemas.microsoft.com/office/drawing/2014/main" id="{A1B41459-5F20-46C5-8111-17179E67CA46}"/>
+              </a:ext>
+            </a:extLst>
+          </p:cNvPr>
+          <p:cNvSpPr>
+            <a:spLocks noGrp="1"/>
+          </p:cNvSpPr>
+          <p:nvPr>
+            <p:ph type="sldNum" sz="quarter" idx="10"/>
+          </p:nvPr>
+        </p:nvSpPr>
+        <p:spPr/>
+        <p:txBody>
+          <a:bodyPr/>
+          <a:lstStyle/>
+          <a:p>
+            <a:fld id="{48F63A3B-78C7-47BE-AE5E-E10140E04643}" type="slidenum">
+              <a:rPr lang="en-US" smtClean="0"/>
+              <a:pPr/>
+              <a:t>20</a:t>
+            </a:fld>
+            <a:endParaRPr lang="en-US" dirty="0"/>
+          </a:p>
+        </p:txBody>
+      </p:sp>
+      <p:sp>
+        <p:nvSpPr>
+          <p:cNvPr id="4" name="Content Placeholder 3">
+            <a:extLst>
+              <a:ext uri="{FF2B5EF4-FFF2-40B4-BE49-F238E27FC236}">
+                <a16:creationId xmlns:a16="http://schemas.microsoft.com/office/drawing/2014/main" id="{1013511B-E259-4CB4-AF42-F33B1394D83B}"/>
+              </a:ext>
+            </a:extLst>
+          </p:cNvPr>
+          <p:cNvSpPr>
+            <a:spLocks noGrp="1"/>
+          </p:cNvSpPr>
+          <p:nvPr>
+            <p:ph sz="half" idx="2"/>
+          </p:nvPr>
+        </p:nvSpPr>
+        <p:spPr/>
+        <p:txBody>
+          <a:bodyPr/>
+          <a:lstStyle/>
+          <a:p>
+            <a:pPr marL="285750" indent="-285750">
+              <a:buFont typeface="Arial" panose="020B0604020202020204" pitchFamily="34" charset="0"/>
+              <a:buChar char="•"/>
+            </a:pPr>
+            <a:r>
+              <a:rPr lang="en-US" dirty="0"/>
+              <a:t>Compare the average price of top three genres</a:t>
+            </a:r>
+          </a:p>
+          <a:p>
+            <a:pPr marL="285750" indent="-285750">
+              <a:buFont typeface="Arial" panose="020B0604020202020204" pitchFamily="34" charset="0"/>
+              <a:buChar char="•"/>
+            </a:pPr>
+            <a:r>
+              <a:rPr lang="en-US" dirty="0"/>
+              <a:t>Using </a:t>
+            </a:r>
+            <a:r>
+              <a:rPr lang="en-US" dirty="0" err="1"/>
+              <a:t>Anova</a:t>
+            </a:r>
+            <a:r>
+              <a:rPr lang="en-US" dirty="0"/>
+              <a:t> test</a:t>
+            </a:r>
+          </a:p>
+          <a:p>
+            <a:pPr marL="285750" indent="-285750">
+              <a:buFont typeface="Arial" panose="020B0604020202020204" pitchFamily="34" charset="0"/>
+              <a:buChar char="•"/>
+            </a:pPr>
+            <a:r>
+              <a:rPr lang="en-US" dirty="0"/>
+              <a:t>Fail to reject the null hypothesis: No significant differences between groups.</a:t>
+            </a:r>
+          </a:p>
+          <a:p>
+            <a:pPr marL="285750" indent="-285750">
+              <a:buFont typeface="Arial" panose="020B0604020202020204" pitchFamily="34" charset="0"/>
+              <a:buChar char="•"/>
+            </a:pPr>
+            <a:endParaRPr lang="en-US" dirty="0"/>
+          </a:p>
+          <a:p>
+            <a:endParaRPr lang="en-US" dirty="0"/>
+          </a:p>
+          <a:p>
+            <a:endParaRPr lang="en-US" dirty="0"/>
+          </a:p>
+        </p:txBody>
+      </p:sp>
+      <p:graphicFrame>
+        <p:nvGraphicFramePr>
+          <p:cNvPr id="6" name="Table 6">
+            <a:extLst>
+              <a:ext uri="{FF2B5EF4-FFF2-40B4-BE49-F238E27FC236}">
+                <a16:creationId xmlns:a16="http://schemas.microsoft.com/office/drawing/2014/main" id="{7D6A778A-C1E0-4CA1-92E4-EBF2598D6479}"/>
+              </a:ext>
+            </a:extLst>
+          </p:cNvPr>
+          <p:cNvGraphicFramePr>
+            <a:graphicFrameLocks noGrp="1"/>
+          </p:cNvGraphicFramePr>
+          <p:nvPr>
+            <p:ph sz="quarter" idx="4"/>
+            <p:extLst>
+              <p:ext uri="{D42A27DB-BD31-4B8C-83A1-F6EECF244321}">
+                <p14:modId xmlns:p14="http://schemas.microsoft.com/office/powerpoint/2010/main" val="2273843889"/>
+              </p:ext>
+            </p:extLst>
+          </p:nvPr>
+        </p:nvGraphicFramePr>
+        <p:xfrm>
+          <a:off x="4003964" y="2303463"/>
+          <a:ext cx="4807528" cy="1752600"/>
+        </p:xfrm>
+        <a:graphic>
+          <a:graphicData uri="http://schemas.openxmlformats.org/drawingml/2006/table">
+            <a:tbl>
+              <a:tblPr firstRow="1" bandRow="1">
+                <a:tableStyleId>{3B4B98B0-60AC-42C2-AFA5-B58CD77FA1E5}</a:tableStyleId>
+              </a:tblPr>
+              <a:tblGrid>
+                <a:gridCol w="1201882">
+                  <a:extLst>
+                    <a:ext uri="{9D8B030D-6E8A-4147-A177-3AD203B41FA5}">
+                      <a16:colId xmlns:a16="http://schemas.microsoft.com/office/drawing/2014/main" val="729025428"/>
+                    </a:ext>
+                  </a:extLst>
+                </a:gridCol>
+                <a:gridCol w="1201882">
+                  <a:extLst>
+                    <a:ext uri="{9D8B030D-6E8A-4147-A177-3AD203B41FA5}">
+                      <a16:colId xmlns:a16="http://schemas.microsoft.com/office/drawing/2014/main" val="939763955"/>
+                    </a:ext>
+                  </a:extLst>
+                </a:gridCol>
+                <a:gridCol w="1201882">
+                  <a:extLst>
+                    <a:ext uri="{9D8B030D-6E8A-4147-A177-3AD203B41FA5}">
+                      <a16:colId xmlns:a16="http://schemas.microsoft.com/office/drawing/2014/main" val="3266658754"/>
+                    </a:ext>
+                  </a:extLst>
+                </a:gridCol>
+                <a:gridCol w="1201882">
+                  <a:extLst>
+                    <a:ext uri="{9D8B030D-6E8A-4147-A177-3AD203B41FA5}">
+                      <a16:colId xmlns:a16="http://schemas.microsoft.com/office/drawing/2014/main" val="1296477066"/>
+                    </a:ext>
+                  </a:extLst>
+                </a:gridCol>
+              </a:tblGrid>
+              <a:tr h="370840">
+                <a:tc>
+                  <a:txBody>
+                    <a:bodyPr/>
+                    <a:lstStyle/>
+                    <a:p>
+                      <a:r>
+                        <a:rPr lang="en-US" dirty="0"/>
+                        <a:t>Genre Name</a:t>
+                      </a:r>
+                    </a:p>
+                  </a:txBody>
+                  <a:tcPr/>
+                </a:tc>
+                <a:tc>
+                  <a:txBody>
+                    <a:bodyPr/>
+                    <a:lstStyle/>
+                    <a:p>
+                      <a:r>
+                        <a:rPr lang="en-US" dirty="0"/>
+                        <a:t>Quantity</a:t>
+                      </a:r>
+                    </a:p>
+                  </a:txBody>
+                  <a:tcPr/>
+                </a:tc>
+                <a:tc>
+                  <a:txBody>
+                    <a:bodyPr/>
+                    <a:lstStyle/>
+                    <a:p>
+                      <a:r>
+                        <a:rPr lang="en-US" dirty="0" err="1"/>
+                        <a:t>UnitPrice</a:t>
+                      </a:r>
+                      <a:endParaRPr lang="en-US" dirty="0"/>
+                    </a:p>
+                  </a:txBody>
+                  <a:tcPr/>
+                </a:tc>
+                <a:tc>
+                  <a:txBody>
+                    <a:bodyPr/>
+                    <a:lstStyle/>
+                    <a:p>
+                      <a:r>
+                        <a:rPr lang="en-US" dirty="0"/>
+                        <a:t>Average</a:t>
+                      </a:r>
+                    </a:p>
+                  </a:txBody>
+                  <a:tcPr/>
+                </a:tc>
+                <a:extLst>
+                  <a:ext uri="{0D108BD9-81ED-4DB2-BD59-A6C34878D82A}">
+                    <a16:rowId xmlns:a16="http://schemas.microsoft.com/office/drawing/2014/main" val="308017482"/>
+                  </a:ext>
+                </a:extLst>
+              </a:tr>
+              <a:tr h="370840">
+                <a:tc>
+                  <a:txBody>
+                    <a:bodyPr/>
+                    <a:lstStyle/>
+                    <a:p>
+                      <a:r>
+                        <a:rPr lang="en-US" dirty="0"/>
+                        <a:t>Rock</a:t>
+                      </a:r>
+                    </a:p>
+                  </a:txBody>
+                  <a:tcPr/>
+                </a:tc>
+                <a:tc>
+                  <a:txBody>
+                    <a:bodyPr/>
+                    <a:lstStyle/>
+                    <a:p>
+                      <a:r>
+                        <a:rPr lang="en-US" dirty="0"/>
+                        <a:t>835</a:t>
+                      </a:r>
+                    </a:p>
+                  </a:txBody>
+                  <a:tcPr/>
+                </a:tc>
+                <a:tc>
+                  <a:txBody>
+                    <a:bodyPr/>
+                    <a:lstStyle/>
+                    <a:p>
+                      <a:r>
+                        <a:rPr lang="en-US" dirty="0"/>
+                        <a:t>826.65</a:t>
+                      </a:r>
+                    </a:p>
+                  </a:txBody>
+                  <a:tcPr/>
+                </a:tc>
+                <a:tc>
+                  <a:txBody>
+                    <a:bodyPr/>
+                    <a:lstStyle/>
+                    <a:p>
+                      <a:r>
+                        <a:rPr lang="en-US" dirty="0"/>
+                        <a:t>0.99</a:t>
+                      </a:r>
+                    </a:p>
+                  </a:txBody>
+                  <a:tcPr/>
+                </a:tc>
+                <a:extLst>
+                  <a:ext uri="{0D108BD9-81ED-4DB2-BD59-A6C34878D82A}">
+                    <a16:rowId xmlns:a16="http://schemas.microsoft.com/office/drawing/2014/main" val="4017893147"/>
+                  </a:ext>
+                </a:extLst>
+              </a:tr>
+              <a:tr h="370840">
+                <a:tc>
+                  <a:txBody>
+                    <a:bodyPr/>
+                    <a:lstStyle/>
+                    <a:p>
+                      <a:r>
+                        <a:rPr lang="en-US" dirty="0"/>
+                        <a:t>Latin</a:t>
+                      </a:r>
+                    </a:p>
+                  </a:txBody>
+                  <a:tcPr/>
+                </a:tc>
+                <a:tc>
+                  <a:txBody>
+                    <a:bodyPr/>
+                    <a:lstStyle/>
+                    <a:p>
+                      <a:r>
+                        <a:rPr lang="en-US" dirty="0"/>
+                        <a:t>386</a:t>
+                      </a:r>
+                    </a:p>
+                  </a:txBody>
+                  <a:tcPr/>
+                </a:tc>
+                <a:tc>
+                  <a:txBody>
+                    <a:bodyPr/>
+                    <a:lstStyle/>
+                    <a:p>
+                      <a:r>
+                        <a:rPr lang="en-US" dirty="0"/>
+                        <a:t>382.14</a:t>
+                      </a:r>
+                    </a:p>
+                  </a:txBody>
+                  <a:tcPr/>
+                </a:tc>
+                <a:tc>
+                  <a:txBody>
+                    <a:bodyPr/>
+                    <a:lstStyle/>
+                    <a:p>
+                      <a:r>
+                        <a:rPr lang="en-US" dirty="0"/>
+                        <a:t>0.99</a:t>
+                      </a:r>
+                    </a:p>
+                  </a:txBody>
+                  <a:tcPr/>
+                </a:tc>
+                <a:extLst>
+                  <a:ext uri="{0D108BD9-81ED-4DB2-BD59-A6C34878D82A}">
+                    <a16:rowId xmlns:a16="http://schemas.microsoft.com/office/drawing/2014/main" val="1625950770"/>
+                  </a:ext>
+                </a:extLst>
+              </a:tr>
+              <a:tr h="370840">
+                <a:tc>
+                  <a:txBody>
+                    <a:bodyPr/>
+                    <a:lstStyle/>
+                    <a:p>
+                      <a:r>
+                        <a:rPr lang="en-US" dirty="0"/>
+                        <a:t>Metal</a:t>
+                      </a:r>
+                    </a:p>
+                  </a:txBody>
+                  <a:tcPr/>
+                </a:tc>
+                <a:tc>
+                  <a:txBody>
+                    <a:bodyPr/>
+                    <a:lstStyle/>
+                    <a:p>
+                      <a:r>
+                        <a:rPr lang="en-US" dirty="0"/>
+                        <a:t>264</a:t>
+                      </a:r>
+                    </a:p>
+                  </a:txBody>
+                  <a:tcPr/>
+                </a:tc>
+                <a:tc>
+                  <a:txBody>
+                    <a:bodyPr/>
+                    <a:lstStyle/>
+                    <a:p>
+                      <a:r>
+                        <a:rPr lang="en-US" dirty="0"/>
+                        <a:t>261.36</a:t>
+                      </a:r>
+                    </a:p>
+                  </a:txBody>
+                  <a:tcPr/>
+                </a:tc>
+                <a:tc>
+                  <a:txBody>
+                    <a:bodyPr/>
+                    <a:lstStyle/>
+                    <a:p>
+                      <a:r>
+                        <a:rPr lang="en-US" dirty="0"/>
+                        <a:t>0.99</a:t>
+                      </a:r>
+                    </a:p>
+                  </a:txBody>
+                  <a:tcPr/>
+                </a:tc>
+                <a:extLst>
+                  <a:ext uri="{0D108BD9-81ED-4DB2-BD59-A6C34878D82A}">
+                    <a16:rowId xmlns:a16="http://schemas.microsoft.com/office/drawing/2014/main" val="1388470904"/>
+                  </a:ext>
+                </a:extLst>
+              </a:tr>
+            </a:tbl>
+          </a:graphicData>
+        </a:graphic>
+      </p:graphicFrame>
+    </p:spTree>
+    <p:extLst>
+      <p:ext uri="{BB962C8B-B14F-4D97-AF65-F5344CB8AC3E}">
+        <p14:creationId xmlns:p14="http://schemas.microsoft.com/office/powerpoint/2010/main" val="2742301791"/>
+      </p:ext>
+    </p:extLst>
+  </p:cSld>
+  <p:clrMapOvr>
+    <a:masterClrMapping/>
+  </p:clrMapOvr>
+</p:sld>
+</file>
+
+<file path=ppt/slides/slide21.xml><?xml version="1.0" encoding="utf-8"?>
+<p:sld xmlns:a="http://schemas.openxmlformats.org/drawingml/2006/main" xmlns:r="http://schemas.openxmlformats.org/officeDocument/2006/relationships" xmlns:p="http://schemas.openxmlformats.org/presentationml/2006/main">
+  <p:cSld>
+    <p:spTree>
+      <p:nvGrpSpPr>
+        <p:cNvPr id="1" name=""/>
+        <p:cNvGrpSpPr/>
+        <p:nvPr/>
+      </p:nvGrpSpPr>
+      <p:grpSpPr>
+        <a:xfrm>
+          <a:off x="0" y="0"/>
+          <a:ext cx="0" cy="0"/>
+          <a:chOff x="0" y="0"/>
+          <a:chExt cx="0" cy="0"/>
+        </a:xfrm>
+      </p:grpSpPr>
+      <p:sp>
+        <p:nvSpPr>
+          <p:cNvPr id="2" name="Title 1">
+            <a:extLst>
+              <a:ext uri="{FF2B5EF4-FFF2-40B4-BE49-F238E27FC236}">
+                <a16:creationId xmlns:a16="http://schemas.microsoft.com/office/drawing/2014/main" id="{A0D61230-E8C5-43F5-B655-0A0B7D45CFD5}"/>
+              </a:ext>
+            </a:extLst>
+          </p:cNvPr>
+          <p:cNvSpPr>
+            <a:spLocks noGrp="1"/>
+          </p:cNvSpPr>
+          <p:nvPr>
+            <p:ph type="title"/>
+          </p:nvPr>
+        </p:nvSpPr>
+        <p:spPr/>
+        <p:txBody>
+          <a:bodyPr/>
+          <a:lstStyle/>
+          <a:p>
+            <a:r>
+              <a:rPr lang="en-US" dirty="0"/>
+              <a:t>…Hypothesis test</a:t>
+            </a:r>
+          </a:p>
+        </p:txBody>
+      </p:sp>
+      <p:sp>
+        <p:nvSpPr>
+          <p:cNvPr id="3" name="Slide Number Placeholder 2">
+            <a:extLst>
+              <a:ext uri="{FF2B5EF4-FFF2-40B4-BE49-F238E27FC236}">
+                <a16:creationId xmlns:a16="http://schemas.microsoft.com/office/drawing/2014/main" id="{B7245D19-FFAA-42F5-B069-8F548EC4F75F}"/>
+              </a:ext>
+            </a:extLst>
+          </p:cNvPr>
+          <p:cNvSpPr>
+            <a:spLocks noGrp="1"/>
+          </p:cNvSpPr>
+          <p:nvPr>
+            <p:ph type="sldNum" sz="quarter" idx="10"/>
+          </p:nvPr>
+        </p:nvSpPr>
+        <p:spPr/>
+        <p:txBody>
+          <a:bodyPr/>
+          <a:lstStyle/>
+          <a:p>
+            <a:fld id="{48F63A3B-78C7-47BE-AE5E-E10140E04643}" type="slidenum">
+              <a:rPr lang="en-US" smtClean="0"/>
+              <a:pPr/>
+              <a:t>21</a:t>
+            </a:fld>
+            <a:endParaRPr lang="en-US" dirty="0"/>
+          </a:p>
+        </p:txBody>
+      </p:sp>
+      <p:sp>
+        <p:nvSpPr>
+          <p:cNvPr id="4" name="Content Placeholder 3">
+            <a:extLst>
+              <a:ext uri="{FF2B5EF4-FFF2-40B4-BE49-F238E27FC236}">
+                <a16:creationId xmlns:a16="http://schemas.microsoft.com/office/drawing/2014/main" id="{9D79E643-8C74-452E-8833-5DA24A239890}"/>
+              </a:ext>
+            </a:extLst>
+          </p:cNvPr>
+          <p:cNvSpPr>
+            <a:spLocks noGrp="1"/>
+          </p:cNvSpPr>
+          <p:nvPr>
+            <p:ph sz="half" idx="2"/>
+          </p:nvPr>
+        </p:nvSpPr>
+        <p:spPr/>
+        <p:txBody>
+          <a:bodyPr/>
+          <a:lstStyle/>
+          <a:p>
+            <a:pPr marL="285750" indent="-285750">
+              <a:buFont typeface="Arial" panose="020B0604020202020204" pitchFamily="34" charset="0"/>
+              <a:buChar char="•"/>
+            </a:pPr>
+            <a:r>
+              <a:rPr lang="en-US" dirty="0"/>
+              <a:t>Relation between Milliseconds and </a:t>
+            </a:r>
+            <a:r>
+              <a:rPr lang="en-US" dirty="0" err="1"/>
+              <a:t>UnitPrice</a:t>
+            </a:r>
+            <a:endParaRPr lang="en-US" dirty="0"/>
+          </a:p>
+          <a:p>
+            <a:pPr marL="285750" indent="-285750">
+              <a:buFont typeface="Arial" panose="020B0604020202020204" pitchFamily="34" charset="0"/>
+              <a:buChar char="•"/>
+            </a:pPr>
+            <a:r>
+              <a:rPr lang="en-US" dirty="0"/>
+              <a:t>Pearson test: There is a significant correlation between song length and unit price. </a:t>
+            </a:r>
+          </a:p>
+          <a:p>
+            <a:br>
+              <a:rPr lang="en-US" dirty="0"/>
+            </a:br>
+            <a:br>
+              <a:rPr lang="en-US" dirty="0"/>
+            </a:br>
+            <a:endParaRPr lang="en-US" dirty="0"/>
+          </a:p>
+        </p:txBody>
+      </p:sp>
+      <p:pic>
+        <p:nvPicPr>
+          <p:cNvPr id="7" name="Content Placeholder 6">
+            <a:extLst>
+              <a:ext uri="{FF2B5EF4-FFF2-40B4-BE49-F238E27FC236}">
+                <a16:creationId xmlns:a16="http://schemas.microsoft.com/office/drawing/2014/main" id="{3F651C0F-0D58-4AE3-9814-5321B23A38E9}"/>
+              </a:ext>
+            </a:extLst>
+          </p:cNvPr>
+          <p:cNvPicPr>
+            <a:picLocks noGrp="1" noChangeAspect="1"/>
+          </p:cNvPicPr>
+          <p:nvPr>
+            <p:ph sz="quarter" idx="4"/>
+          </p:nvPr>
+        </p:nvPicPr>
+        <p:blipFill>
+          <a:blip r:embed="rId2"/>
+          <a:stretch>
+            <a:fillRect/>
+          </a:stretch>
+        </p:blipFill>
+        <p:spPr>
+          <a:xfrm>
+            <a:off x="4433891" y="2057020"/>
+            <a:ext cx="4276972" cy="3420069"/>
+          </a:xfrm>
+        </p:spPr>
+      </p:pic>
+    </p:spTree>
+    <p:extLst>
+      <p:ext uri="{BB962C8B-B14F-4D97-AF65-F5344CB8AC3E}">
+        <p14:creationId xmlns:p14="http://schemas.microsoft.com/office/powerpoint/2010/main" val="1818335564"/>
+      </p:ext>
+    </p:extLst>
+  </p:cSld>
+  <p:clrMapOvr>
+    <a:masterClrMapping/>
+  </p:clrMapOvr>
+</p:sld>
+</file>
+
+<file path=ppt/slides/slide22.xml><?xml version="1.0" encoding="utf-8"?>
+<p:sld xmlns:a="http://schemas.openxmlformats.org/drawingml/2006/main" xmlns:r="http://schemas.openxmlformats.org/officeDocument/2006/relationships" xmlns:p="http://schemas.openxmlformats.org/presentationml/2006/main">
+  <p:cSld>
+    <p:spTree>
+      <p:nvGrpSpPr>
+        <p:cNvPr id="1" name=""/>
+        <p:cNvGrpSpPr/>
+        <p:nvPr/>
+      </p:nvGrpSpPr>
+      <p:grpSpPr>
+        <a:xfrm>
+          <a:off x="0" y="0"/>
+          <a:ext cx="0" cy="0"/>
+          <a:chOff x="0" y="0"/>
+          <a:chExt cx="0" cy="0"/>
+        </a:xfrm>
+      </p:grpSpPr>
+      <p:sp>
+        <p:nvSpPr>
+          <p:cNvPr id="2" name="Title 1">
+            <a:extLst>
+              <a:ext uri="{FF2B5EF4-FFF2-40B4-BE49-F238E27FC236}">
+                <a16:creationId xmlns:a16="http://schemas.microsoft.com/office/drawing/2014/main" id="{2F71CE05-2E2A-4137-A767-64668A95F5F7}"/>
+              </a:ext>
+            </a:extLst>
+          </p:cNvPr>
+          <p:cNvSpPr>
+            <a:spLocks noGrp="1"/>
+          </p:cNvSpPr>
+          <p:nvPr>
+            <p:ph type="title"/>
+          </p:nvPr>
+        </p:nvSpPr>
+        <p:spPr/>
+        <p:txBody>
+          <a:bodyPr/>
+          <a:lstStyle/>
+          <a:p>
+            <a:r>
+              <a:rPr lang="en-US" dirty="0"/>
+              <a:t>…Hypothesis test</a:t>
+            </a:r>
+          </a:p>
+        </p:txBody>
+      </p:sp>
+      <p:sp>
+        <p:nvSpPr>
+          <p:cNvPr id="3" name="Slide Number Placeholder 2">
+            <a:extLst>
+              <a:ext uri="{FF2B5EF4-FFF2-40B4-BE49-F238E27FC236}">
+                <a16:creationId xmlns:a16="http://schemas.microsoft.com/office/drawing/2014/main" id="{25EAE7C2-1464-43B0-98DC-FD8B0E0F9987}"/>
+              </a:ext>
+            </a:extLst>
+          </p:cNvPr>
+          <p:cNvSpPr>
+            <a:spLocks noGrp="1"/>
+          </p:cNvSpPr>
+          <p:nvPr>
+            <p:ph type="sldNum" sz="quarter" idx="10"/>
+          </p:nvPr>
+        </p:nvSpPr>
+        <p:spPr/>
+        <p:txBody>
+          <a:bodyPr/>
+          <a:lstStyle/>
+          <a:p>
+            <a:fld id="{48F63A3B-78C7-47BE-AE5E-E10140E04643}" type="slidenum">
+              <a:rPr lang="en-US" smtClean="0"/>
+              <a:pPr/>
+              <a:t>22</a:t>
+            </a:fld>
+            <a:endParaRPr lang="en-US" dirty="0"/>
+          </a:p>
+        </p:txBody>
+      </p:sp>
+      <p:sp>
+        <p:nvSpPr>
+          <p:cNvPr id="4" name="Content Placeholder 3">
+            <a:extLst>
+              <a:ext uri="{FF2B5EF4-FFF2-40B4-BE49-F238E27FC236}">
+                <a16:creationId xmlns:a16="http://schemas.microsoft.com/office/drawing/2014/main" id="{807BA33F-ECA6-4A2F-A16A-055659176639}"/>
+              </a:ext>
+            </a:extLst>
+          </p:cNvPr>
+          <p:cNvSpPr>
+            <a:spLocks noGrp="1"/>
+          </p:cNvSpPr>
+          <p:nvPr>
+            <p:ph sz="half" idx="2"/>
+          </p:nvPr>
+        </p:nvSpPr>
+        <p:spPr>
+          <a:xfrm>
+            <a:off x="914400" y="2303028"/>
+            <a:ext cx="7966364" cy="3720337"/>
+          </a:xfrm>
+        </p:spPr>
+        <p:txBody>
+          <a:bodyPr/>
+          <a:lstStyle/>
+          <a:p>
+            <a:pPr marL="285750" indent="-285750">
+              <a:buFont typeface="Arial" panose="020B0604020202020204" pitchFamily="34" charset="0"/>
+              <a:buChar char="•"/>
+            </a:pPr>
+            <a:r>
+              <a:rPr lang="en-US" dirty="0"/>
+              <a:t>Chi-square test: There is a significant association between genre and media type.</a:t>
+            </a:r>
+          </a:p>
+          <a:p>
+            <a:pPr marL="285750" indent="-285750">
+              <a:buFont typeface="Arial" panose="020B0604020202020204" pitchFamily="34" charset="0"/>
+              <a:buChar char="•"/>
+            </a:pPr>
+            <a:r>
+              <a:rPr lang="en-US" dirty="0"/>
+              <a:t>Chi-square test*: Reject the null hypothesis: There is an association between media type and purchase frequency. </a:t>
+            </a:r>
+          </a:p>
+          <a:p>
+            <a:pPr marL="285750" indent="-285750">
+              <a:buFont typeface="Arial" panose="020B0604020202020204" pitchFamily="34" charset="0"/>
+              <a:buChar char="•"/>
+            </a:pPr>
+            <a:r>
+              <a:rPr lang="en-US" dirty="0" err="1"/>
+              <a:t>Anova</a:t>
+            </a:r>
+            <a:r>
+              <a:rPr lang="en-US" dirty="0"/>
+              <a:t> Test*: There is no significant difference in the average number of tracks purchased across different countries.</a:t>
+            </a:r>
+          </a:p>
+          <a:p>
+            <a:br>
+              <a:rPr lang="en-US" dirty="0"/>
+            </a:br>
+            <a:endParaRPr lang="en-US" dirty="0"/>
+          </a:p>
+        </p:txBody>
+      </p:sp>
+      <p:pic>
+        <p:nvPicPr>
+          <p:cNvPr id="7" name="Picture 6">
+            <a:extLst>
+              <a:ext uri="{FF2B5EF4-FFF2-40B4-BE49-F238E27FC236}">
+                <a16:creationId xmlns:a16="http://schemas.microsoft.com/office/drawing/2014/main" id="{F514A321-5338-44AD-914C-FAF2129E55E3}"/>
+              </a:ext>
+            </a:extLst>
+          </p:cNvPr>
+          <p:cNvPicPr>
+            <a:picLocks noChangeAspect="1"/>
+          </p:cNvPicPr>
+          <p:nvPr/>
+        </p:nvPicPr>
+        <p:blipFill>
+          <a:blip r:embed="rId2"/>
+          <a:stretch>
+            <a:fillRect/>
+          </a:stretch>
+        </p:blipFill>
+        <p:spPr>
+          <a:xfrm>
+            <a:off x="1808146" y="4163196"/>
+            <a:ext cx="5423927" cy="2689865"/>
+          </a:xfrm>
+          <a:prstGeom prst="rect">
+            <a:avLst/>
+          </a:prstGeom>
+        </p:spPr>
+      </p:pic>
+    </p:spTree>
+    <p:extLst>
+      <p:ext uri="{BB962C8B-B14F-4D97-AF65-F5344CB8AC3E}">
+        <p14:creationId xmlns:p14="http://schemas.microsoft.com/office/powerpoint/2010/main" val="2614229477"/>
+      </p:ext>
+    </p:extLst>
+  </p:cSld>
+  <p:clrMapOvr>
+    <a:masterClrMapping/>
+  </p:clrMapOvr>
+</p:sld>
+</file>
+
+<file path=ppt/slides/slide23.xml><?xml version="1.0" encoding="utf-8"?>
+<p:sld xmlns:a="http://schemas.openxmlformats.org/drawingml/2006/main" xmlns:r="http://schemas.openxmlformats.org/officeDocument/2006/relationships" xmlns:p="http://schemas.openxmlformats.org/presentationml/2006/main">
+  <p:cSld>
+    <p:spTree>
+      <p:nvGrpSpPr>
+        <p:cNvPr id="1" name=""/>
+        <p:cNvGrpSpPr/>
+        <p:nvPr/>
+      </p:nvGrpSpPr>
+      <p:grpSpPr>
+        <a:xfrm>
+          <a:off x="0" y="0"/>
+          <a:ext cx="0" cy="0"/>
+          <a:chOff x="0" y="0"/>
+          <a:chExt cx="0" cy="0"/>
+        </a:xfrm>
+      </p:grpSpPr>
+      <p:sp>
+        <p:nvSpPr>
+          <p:cNvPr id="2" name="Title 1">
+            <a:extLst>
+              <a:ext uri="{FF2B5EF4-FFF2-40B4-BE49-F238E27FC236}">
+                <a16:creationId xmlns:a16="http://schemas.microsoft.com/office/drawing/2014/main" id="{D415EA3C-4C36-42C5-AE2A-442B18072594}"/>
+              </a:ext>
+            </a:extLst>
+          </p:cNvPr>
+          <p:cNvSpPr>
+            <a:spLocks noGrp="1"/>
+          </p:cNvSpPr>
+          <p:nvPr>
+            <p:ph type="title"/>
+          </p:nvPr>
+        </p:nvSpPr>
+        <p:spPr/>
+        <p:txBody>
+          <a:bodyPr/>
+          <a:lstStyle/>
+          <a:p>
+            <a:r>
+              <a:rPr lang="en-US" dirty="0"/>
+              <a:t>confidence interval</a:t>
+            </a:r>
+            <a:br>
+              <a:rPr lang="en-US" b="0" dirty="0"/>
+            </a:br>
+            <a:endParaRPr lang="en-US" dirty="0"/>
+          </a:p>
+        </p:txBody>
+      </p:sp>
+      <p:sp>
+        <p:nvSpPr>
+          <p:cNvPr id="3" name="Slide Number Placeholder 2">
+            <a:extLst>
+              <a:ext uri="{FF2B5EF4-FFF2-40B4-BE49-F238E27FC236}">
+                <a16:creationId xmlns:a16="http://schemas.microsoft.com/office/drawing/2014/main" id="{E29BFBCA-5FDE-4F03-9F25-25F00BDEE6EA}"/>
+              </a:ext>
+            </a:extLst>
+          </p:cNvPr>
+          <p:cNvSpPr>
+            <a:spLocks noGrp="1"/>
+          </p:cNvSpPr>
+          <p:nvPr>
+            <p:ph type="sldNum" sz="quarter" idx="10"/>
+          </p:nvPr>
+        </p:nvSpPr>
+        <p:spPr/>
+        <p:txBody>
+          <a:bodyPr/>
+          <a:lstStyle/>
+          <a:p>
+            <a:fld id="{48F63A3B-78C7-47BE-AE5E-E10140E04643}" type="slidenum">
+              <a:rPr lang="en-US" smtClean="0"/>
+              <a:pPr/>
+              <a:t>23</a:t>
+            </a:fld>
+            <a:endParaRPr lang="en-US" dirty="0"/>
+          </a:p>
+        </p:txBody>
+      </p:sp>
+      <p:sp>
+        <p:nvSpPr>
+          <p:cNvPr id="4" name="Content Placeholder 3">
+            <a:extLst>
+              <a:ext uri="{FF2B5EF4-FFF2-40B4-BE49-F238E27FC236}">
+                <a16:creationId xmlns:a16="http://schemas.microsoft.com/office/drawing/2014/main" id="{8E7ABE7A-F794-40E7-9D99-6C297CD4D563}"/>
+              </a:ext>
+            </a:extLst>
+          </p:cNvPr>
+          <p:cNvSpPr>
+            <a:spLocks noGrp="1"/>
+          </p:cNvSpPr>
+          <p:nvPr>
+            <p:ph sz="half" idx="2"/>
+          </p:nvPr>
+        </p:nvSpPr>
+        <p:spPr>
+          <a:xfrm>
+            <a:off x="914400" y="2303029"/>
+            <a:ext cx="7259782" cy="1125972"/>
+          </a:xfrm>
+        </p:spPr>
+        <p:txBody>
+          <a:bodyPr/>
+          <a:lstStyle/>
+          <a:p>
+            <a:pPr marL="285750" indent="-285750">
+              <a:buFont typeface="Arial" panose="020B0604020202020204" pitchFamily="34" charset="0"/>
+              <a:buChar char="•"/>
+            </a:pPr>
+            <a:r>
+              <a:rPr lang="en-US" dirty="0"/>
+              <a:t>Is the average length of songs the same across different genres?</a:t>
+            </a:r>
+          </a:p>
+          <a:p>
+            <a:pPr marL="285750" indent="-285750">
+              <a:buFont typeface="Arial" panose="020B0604020202020204" pitchFamily="34" charset="0"/>
+              <a:buChar char="•"/>
+            </a:pPr>
+            <a:r>
+              <a:rPr lang="en-US" dirty="0"/>
+              <a:t>One way </a:t>
+            </a:r>
+            <a:r>
+              <a:rPr lang="en-US" dirty="0" err="1"/>
+              <a:t>Anova</a:t>
+            </a:r>
+            <a:r>
+              <a:rPr lang="en-US" dirty="0"/>
+              <a:t> test: Reject the null hypothesis: There are significant differences between groups.</a:t>
+            </a:r>
+          </a:p>
+          <a:p>
+            <a:pPr marL="285750" indent="-285750">
+              <a:buFont typeface="Arial" panose="020B0604020202020204" pitchFamily="34" charset="0"/>
+              <a:buChar char="•"/>
+            </a:pPr>
+            <a:endParaRPr lang="en-US" dirty="0"/>
+          </a:p>
+        </p:txBody>
+      </p:sp>
+      <p:pic>
+        <p:nvPicPr>
+          <p:cNvPr id="7" name="Content Placeholder 6">
+            <a:extLst>
+              <a:ext uri="{FF2B5EF4-FFF2-40B4-BE49-F238E27FC236}">
+                <a16:creationId xmlns:a16="http://schemas.microsoft.com/office/drawing/2014/main" id="{6E56369A-EF2C-451E-8247-F0D1581CA490}"/>
+              </a:ext>
+            </a:extLst>
+          </p:cNvPr>
+          <p:cNvPicPr>
+            <a:picLocks noGrp="1" noChangeAspect="1"/>
+          </p:cNvPicPr>
+          <p:nvPr>
+            <p:ph sz="quarter" idx="4"/>
+          </p:nvPr>
+        </p:nvPicPr>
+        <p:blipFill>
+          <a:blip r:embed="rId2"/>
+          <a:stretch>
+            <a:fillRect/>
+          </a:stretch>
+        </p:blipFill>
+        <p:spPr>
+          <a:xfrm>
+            <a:off x="1440874" y="3339756"/>
+            <a:ext cx="5920220" cy="3518244"/>
+          </a:xfrm>
+        </p:spPr>
+      </p:pic>
+    </p:spTree>
+    <p:extLst>
+      <p:ext uri="{BB962C8B-B14F-4D97-AF65-F5344CB8AC3E}">
+        <p14:creationId xmlns:p14="http://schemas.microsoft.com/office/powerpoint/2010/main" val="3370693711"/>
+      </p:ext>
+    </p:extLst>
+  </p:cSld>
+  <p:clrMapOvr>
+    <a:masterClrMapping/>
+  </p:clrMapOvr>
+</p:sld>
+</file>
+
+<file path=ppt/slides/slide24.xml><?xml version="1.0" encoding="utf-8"?>
+<p:sld xmlns:a="http://schemas.openxmlformats.org/drawingml/2006/main" xmlns:r="http://schemas.openxmlformats.org/officeDocument/2006/relationships" xmlns:p="http://schemas.openxmlformats.org/presentationml/2006/main">
+  <p:cSld>
+    <p:spTree>
+      <p:nvGrpSpPr>
+        <p:cNvPr id="1" name=""/>
+        <p:cNvGrpSpPr/>
+        <p:nvPr/>
+      </p:nvGrpSpPr>
+      <p:grpSpPr>
+        <a:xfrm>
+          <a:off x="0" y="0"/>
+          <a:ext cx="0" cy="0"/>
+          <a:chOff x="0" y="0"/>
+          <a:chExt cx="0" cy="0"/>
+        </a:xfrm>
+      </p:grpSpPr>
+      <p:sp>
+        <p:nvSpPr>
+          <p:cNvPr id="2" name="Title 1">
+            <a:extLst>
+              <a:ext uri="{FF2B5EF4-FFF2-40B4-BE49-F238E27FC236}">
+                <a16:creationId xmlns:a16="http://schemas.microsoft.com/office/drawing/2014/main" id="{4ED4DA5B-DAA0-412F-A1C0-8CFA203D867F}"/>
+              </a:ext>
+            </a:extLst>
+          </p:cNvPr>
+          <p:cNvSpPr>
+            <a:spLocks noGrp="1"/>
+          </p:cNvSpPr>
+          <p:nvPr>
+            <p:ph type="title"/>
+          </p:nvPr>
+        </p:nvSpPr>
+        <p:spPr>
+          <a:xfrm>
+            <a:off x="914398" y="223442"/>
+            <a:ext cx="7796464" cy="1222385"/>
+          </a:xfrm>
+        </p:spPr>
+        <p:txBody>
+          <a:bodyPr/>
+          <a:lstStyle/>
+          <a:p>
+            <a:r>
+              <a:rPr lang="en-US" dirty="0"/>
+              <a:t>…confidence interval</a:t>
+            </a:r>
+          </a:p>
+        </p:txBody>
+      </p:sp>
+      <p:sp>
+        <p:nvSpPr>
+          <p:cNvPr id="3" name="Slide Number Placeholder 2">
+            <a:extLst>
+              <a:ext uri="{FF2B5EF4-FFF2-40B4-BE49-F238E27FC236}">
+                <a16:creationId xmlns:a16="http://schemas.microsoft.com/office/drawing/2014/main" id="{A1D2AC60-2160-47C6-A54C-AEECA85702F8}"/>
+              </a:ext>
+            </a:extLst>
+          </p:cNvPr>
+          <p:cNvSpPr>
+            <a:spLocks noGrp="1"/>
+          </p:cNvSpPr>
+          <p:nvPr>
+            <p:ph type="sldNum" sz="quarter" idx="10"/>
+          </p:nvPr>
+        </p:nvSpPr>
+        <p:spPr/>
+        <p:txBody>
+          <a:bodyPr/>
+          <a:lstStyle/>
+          <a:p>
+            <a:fld id="{48F63A3B-78C7-47BE-AE5E-E10140E04643}" type="slidenum">
+              <a:rPr lang="en-US" smtClean="0"/>
+              <a:pPr/>
+              <a:t>24</a:t>
+            </a:fld>
+            <a:endParaRPr lang="en-US" dirty="0"/>
+          </a:p>
+        </p:txBody>
+      </p:sp>
+      <p:sp>
+        <p:nvSpPr>
+          <p:cNvPr id="4" name="Content Placeholder 3">
+            <a:extLst>
+              <a:ext uri="{FF2B5EF4-FFF2-40B4-BE49-F238E27FC236}">
+                <a16:creationId xmlns:a16="http://schemas.microsoft.com/office/drawing/2014/main" id="{873D30EB-ACA6-4EB3-BAEC-67EE75515F5C}"/>
+              </a:ext>
+            </a:extLst>
+          </p:cNvPr>
+          <p:cNvSpPr>
+            <a:spLocks noGrp="1"/>
+          </p:cNvSpPr>
+          <p:nvPr>
+            <p:ph sz="half" idx="2"/>
+          </p:nvPr>
+        </p:nvSpPr>
+        <p:spPr>
+          <a:xfrm>
+            <a:off x="775855" y="1780487"/>
+            <a:ext cx="7121236" cy="3720337"/>
+          </a:xfrm>
+        </p:spPr>
+        <p:txBody>
+          <a:bodyPr/>
+          <a:lstStyle/>
+          <a:p>
+            <a:pPr marL="285750" indent="-285750">
+              <a:buFont typeface="Arial" panose="020B0604020202020204" pitchFamily="34" charset="0"/>
+              <a:buChar char="•"/>
+            </a:pPr>
+            <a:r>
+              <a:rPr lang="en-US" b="1" dirty="0"/>
+              <a:t>What is the average sales amount in different countries?</a:t>
+            </a:r>
+            <a:endParaRPr lang="en-US" dirty="0"/>
+          </a:p>
+          <a:p>
+            <a:pPr marL="569214" lvl="1" indent="-285750"/>
+            <a:r>
+              <a:rPr lang="fr-FR" dirty="0" err="1"/>
+              <a:t>Poland</a:t>
+            </a:r>
+            <a:r>
+              <a:rPr lang="fr-FR" dirty="0"/>
+              <a:t>: </a:t>
+            </a:r>
+            <a:r>
+              <a:rPr lang="fr-FR" dirty="0" err="1"/>
+              <a:t>Average</a:t>
+            </a:r>
+            <a:r>
+              <a:rPr lang="fr-FR" dirty="0"/>
+              <a:t> Sales = 5.37, 95% CI = (1.94, 8.81) </a:t>
+            </a:r>
+          </a:p>
+          <a:p>
+            <a:pPr marL="569214" lvl="1" indent="-285750"/>
+            <a:r>
+              <a:rPr lang="fr-FR" dirty="0"/>
+              <a:t>Portugal: </a:t>
+            </a:r>
+            <a:r>
+              <a:rPr lang="fr-FR" dirty="0" err="1"/>
+              <a:t>Average</a:t>
+            </a:r>
+            <a:r>
+              <a:rPr lang="fr-FR" dirty="0"/>
+              <a:t> Sales = 5.37, 95% CI = (3.10, 7.93)</a:t>
+            </a:r>
+          </a:p>
+          <a:p>
+            <a:pPr marL="569214" lvl="1" indent="-285750"/>
+            <a:r>
+              <a:rPr lang="fr-FR" dirty="0"/>
+              <a:t> Spain: </a:t>
+            </a:r>
+            <a:r>
+              <a:rPr lang="fr-FR" dirty="0" err="1"/>
+              <a:t>Average</a:t>
+            </a:r>
+            <a:r>
+              <a:rPr lang="fr-FR" dirty="0"/>
+              <a:t> Sales = 5.37, 95% CI = (1.94, 8.81)</a:t>
+            </a:r>
+            <a:endParaRPr lang="en-US" dirty="0"/>
+          </a:p>
+        </p:txBody>
+      </p:sp>
+      <p:pic>
+        <p:nvPicPr>
+          <p:cNvPr id="7" name="Content Placeholder 6">
+            <a:extLst>
+              <a:ext uri="{FF2B5EF4-FFF2-40B4-BE49-F238E27FC236}">
+                <a16:creationId xmlns:a16="http://schemas.microsoft.com/office/drawing/2014/main" id="{E90CB2B5-B6F8-4B37-BB1F-71C68835888A}"/>
+              </a:ext>
+            </a:extLst>
+          </p:cNvPr>
+          <p:cNvPicPr>
+            <a:picLocks noGrp="1" noChangeAspect="1"/>
+          </p:cNvPicPr>
+          <p:nvPr>
+            <p:ph sz="quarter" idx="4"/>
+          </p:nvPr>
+        </p:nvPicPr>
+        <p:blipFill>
+          <a:blip r:embed="rId2"/>
+          <a:stretch>
+            <a:fillRect/>
+          </a:stretch>
+        </p:blipFill>
+        <p:spPr>
+          <a:xfrm>
+            <a:off x="1285345" y="3453610"/>
+            <a:ext cx="6251528" cy="3101165"/>
+          </a:xfrm>
+        </p:spPr>
+      </p:pic>
+    </p:spTree>
+    <p:extLst>
+      <p:ext uri="{BB962C8B-B14F-4D97-AF65-F5344CB8AC3E}">
+        <p14:creationId xmlns:p14="http://schemas.microsoft.com/office/powerpoint/2010/main" val="4058356122"/>
+      </p:ext>
+    </p:extLst>
+  </p:cSld>
+  <p:clrMapOvr>
+    <a:masterClrMapping/>
+  </p:clrMapOvr>
+</p:sld>
+</file>
+
+<file path=ppt/slides/slide25.xml><?xml version="1.0" encoding="utf-8"?>
+<p:sld xmlns:a="http://schemas.openxmlformats.org/drawingml/2006/main" xmlns:r="http://schemas.openxmlformats.org/officeDocument/2006/relationships" xmlns:p="http://schemas.openxmlformats.org/presentationml/2006/main">
+  <p:cSld>
+    <p:spTree>
+      <p:nvGrpSpPr>
+        <p:cNvPr id="1" name=""/>
+        <p:cNvGrpSpPr/>
+        <p:nvPr/>
+      </p:nvGrpSpPr>
+      <p:grpSpPr>
+        <a:xfrm>
+          <a:off x="0" y="0"/>
+          <a:ext cx="0" cy="0"/>
+          <a:chOff x="0" y="0"/>
+          <a:chExt cx="0" cy="0"/>
+        </a:xfrm>
+      </p:grpSpPr>
+      <p:sp>
+        <p:nvSpPr>
+          <p:cNvPr id="7" name="Content Placeholder 6">
+            <a:extLst>
+              <a:ext uri="{FF2B5EF4-FFF2-40B4-BE49-F238E27FC236}">
+                <a16:creationId xmlns:a16="http://schemas.microsoft.com/office/drawing/2014/main" id="{ABB1DE81-4D1A-4F17-9281-244D6E784070}"/>
+              </a:ext>
+            </a:extLst>
+          </p:cNvPr>
+          <p:cNvSpPr>
+            <a:spLocks noGrp="1"/>
+          </p:cNvSpPr>
+          <p:nvPr>
+            <p:ph sz="quarter" idx="4"/>
+          </p:nvPr>
+        </p:nvSpPr>
+        <p:spPr/>
+        <p:txBody>
+          <a:bodyPr>
+            <a:normAutofit/>
+          </a:bodyPr>
+          <a:lstStyle/>
+          <a:p>
+            <a:pPr marL="0" indent="0" algn="ctr">
+              <a:buNone/>
+            </a:pPr>
+            <a:r>
+              <a:rPr lang="en-US" sz="16600" dirty="0"/>
+              <a:t>Thank you</a:t>
+            </a:r>
+          </a:p>
+        </p:txBody>
+      </p:sp>
+      <p:sp>
+        <p:nvSpPr>
+          <p:cNvPr id="3" name="Slide Number Placeholder 2">
+            <a:extLst>
+              <a:ext uri="{FF2B5EF4-FFF2-40B4-BE49-F238E27FC236}">
+                <a16:creationId xmlns:a16="http://schemas.microsoft.com/office/drawing/2014/main" id="{6AC57624-64BD-457F-B704-2197964A8B3D}"/>
+              </a:ext>
+            </a:extLst>
+          </p:cNvPr>
+          <p:cNvSpPr>
+            <a:spLocks noGrp="1"/>
+          </p:cNvSpPr>
+          <p:nvPr>
+            <p:ph type="sldNum" sz="quarter" idx="10"/>
+          </p:nvPr>
+        </p:nvSpPr>
+        <p:spPr/>
+        <p:txBody>
+          <a:bodyPr/>
+          <a:lstStyle/>
+          <a:p>
+            <a:fld id="{48F63A3B-78C7-47BE-AE5E-E10140E04643}" type="slidenum">
+              <a:rPr lang="en-US" smtClean="0"/>
+              <a:pPr/>
+              <a:t>25</a:t>
+            </a:fld>
+            <a:endParaRPr lang="en-US" dirty="0"/>
+          </a:p>
+        </p:txBody>
+      </p:sp>
+    </p:spTree>
+    <p:extLst>
+      <p:ext uri="{BB962C8B-B14F-4D97-AF65-F5344CB8AC3E}">
+        <p14:creationId xmlns:p14="http://schemas.microsoft.com/office/powerpoint/2010/main" val="1251819115"/>
       </p:ext>
     </p:extLst>
   </p:cSld>

--- a/eda_Zahra_Mahmoodabadi.pptx
+++ b/eda_Zahra_Mahmoodabadi.pptx
@@ -17263,8 +17263,18 @@
           <a:p>
             <a:r>
               <a:rPr lang="en-US" dirty="0"/>
-              <a:t>Chinook Data Analysis</a:t>
+              <a:t>Chinook </a:t>
             </a:r>
+            <a:br>
+              <a:rPr lang="en-US" dirty="0"/>
+            </a:br>
+            <a:r>
+              <a:rPr lang="en-US"/>
+              <a:t>Data Analysis</a:t>
+            </a:r>
+            <a:br>
+              <a:rPr lang="en-US"/>
+            </a:br>
             <a:br>
               <a:rPr lang="en-US" dirty="0"/>
             </a:br>
@@ -19145,48 +19155,80 @@
           </a:bodyPr>
           <a:lstStyle/>
           <a:p>
+            <a:pPr marL="342900" indent="-342900">
+              <a:buFont typeface="Arial" panose="020B0604020202020204" pitchFamily="34" charset="0"/>
+              <a:buChar char="•"/>
+            </a:pPr>
             <a:r>
               <a:rPr lang="en-US" dirty="0"/>
               <a:t>Introduction</a:t>
             </a:r>
           </a:p>
           <a:p>
+            <a:pPr marL="342900" indent="-342900">
+              <a:buFont typeface="Arial" panose="020B0604020202020204" pitchFamily="34" charset="0"/>
+              <a:buChar char="•"/>
+            </a:pPr>
             <a:r>
               <a:rPr lang="en-US" dirty="0"/>
               <a:t>An Initial study on chinook data</a:t>
             </a:r>
           </a:p>
           <a:p>
+            <a:pPr marL="342900" indent="-342900">
+              <a:buFont typeface="Arial" panose="020B0604020202020204" pitchFamily="34" charset="0"/>
+              <a:buChar char="•"/>
+            </a:pPr>
             <a:r>
               <a:rPr lang="en-US" dirty="0"/>
               <a:t>Key variables plot</a:t>
             </a:r>
           </a:p>
           <a:p>
+            <a:pPr marL="342900" indent="-342900">
+              <a:buFont typeface="Arial" panose="020B0604020202020204" pitchFamily="34" charset="0"/>
+              <a:buChar char="•"/>
+            </a:pPr>
             <a:r>
               <a:rPr lang="en-US" dirty="0"/>
               <a:t>Normal variables in data</a:t>
             </a:r>
           </a:p>
           <a:p>
+            <a:pPr marL="342900" indent="-342900">
+              <a:buFont typeface="Arial" panose="020B0604020202020204" pitchFamily="34" charset="0"/>
+              <a:buChar char="•"/>
+            </a:pPr>
             <a:r>
               <a:rPr lang="en-US" dirty="0"/>
               <a:t>Remove outliers data</a:t>
             </a:r>
           </a:p>
           <a:p>
+            <a:pPr marL="342900" indent="-342900">
+              <a:buFont typeface="Arial" panose="020B0604020202020204" pitchFamily="34" charset="0"/>
+              <a:buChar char="•"/>
+            </a:pPr>
             <a:r>
               <a:rPr lang="en-US" dirty="0"/>
               <a:t>Hypothesis tests</a:t>
             </a:r>
           </a:p>
           <a:p>
+            <a:pPr marL="342900" indent="-342900">
+              <a:buFont typeface="Arial" panose="020B0604020202020204" pitchFamily="34" charset="0"/>
+              <a:buChar char="•"/>
+            </a:pPr>
             <a:r>
               <a:rPr lang="en-US" dirty="0"/>
-              <a:t>confidence interval</a:t>
+              <a:t>Confidence interval</a:t>
             </a:r>
           </a:p>
           <a:p>
+            <a:pPr marL="342900" indent="-342900">
+              <a:buFont typeface="Arial" panose="020B0604020202020204" pitchFamily="34" charset="0"/>
+              <a:buChar char="•"/>
+            </a:pPr>
             <a:endParaRPr lang="en-US" dirty="0"/>
           </a:p>
         </p:txBody>
@@ -20162,7 +20204,9 @@
           </a:xfrm>
         </p:spPr>
         <p:txBody>
-          <a:bodyPr/>
+          <a:bodyPr>
+            <a:normAutofit fontScale="70000" lnSpcReduction="20000"/>
+          </a:bodyPr>
           <a:lstStyle/>
           <a:p>
             <a:pPr marL="285750" indent="-285750">
@@ -20172,6 +20216,20 @@
             <a:r>
               <a:rPr lang="en-US" dirty="0"/>
               <a:t>Is the average length of songs the same across different genres?</a:t>
+            </a:r>
+          </a:p>
+          <a:p>
+            <a:pPr marL="569214" lvl="1" indent="-285750"/>
+            <a:r>
+              <a:rPr lang="en-US" dirty="0"/>
+              <a:t>Hip Hop/Rap: (152.53489172764037, 203.81767970093105) seconds</a:t>
+            </a:r>
+          </a:p>
+          <a:p>
+            <a:pPr marL="569214" lvl="1" indent="-285750"/>
+            <a:r>
+              <a:rPr lang="en-US" dirty="0"/>
+              <a:t>Jazz: (269.55851534194574, 313.95223850420814) seconds</a:t>
             </a:r>
           </a:p>
           <a:p>
@@ -22342,6 +22400,26 @@
 </file>
 
 <file path=customXml/item1.xml><?xml version="1.0" encoding="utf-8"?>
+<p:properties xmlns:p="http://schemas.microsoft.com/office/2006/metadata/properties" xmlns:xsi="http://www.w3.org/2001/XMLSchema-instance" xmlns:pc="http://schemas.microsoft.com/office/infopath/2007/PartnerControls">
+  <documentManagement>
+    <_ip_UnifiedCompliancePolicyUIAction xmlns="http://schemas.microsoft.com/sharepoint/v3" xsi:nil="true"/>
+    <Image xmlns="71af3243-3dd4-4a8d-8c0d-dd76da1f02a5">
+      <Url xsi:nil="true"/>
+      <Description xsi:nil="true"/>
+    </Image>
+    <Status xmlns="71af3243-3dd4-4a8d-8c0d-dd76da1f02a5">Not started</Status>
+    <Background xmlns="71af3243-3dd4-4a8d-8c0d-dd76da1f02a5">false</Background>
+    <_ip_UnifiedCompliancePolicyProperties xmlns="http://schemas.microsoft.com/sharepoint/v3" xsi:nil="true"/>
+    <ImageTagsTaxHTField xmlns="71af3243-3dd4-4a8d-8c0d-dd76da1f02a5">
+      <Terms xmlns="http://schemas.microsoft.com/office/infopath/2007/PartnerControls"/>
+    </ImageTagsTaxHTField>
+    <TaxCatchAll xmlns="230e9df3-be65-4c73-a93b-d1236ebd677e" xsi:nil="true"/>
+    <MediaServiceKeyPoints xmlns="71af3243-3dd4-4a8d-8c0d-dd76da1f02a5" xsi:nil="true"/>
+  </documentManagement>
+</p:properties>
+</file>
+
+<file path=customXml/item2.xml><?xml version="1.0" encoding="utf-8"?>
 <ct:contentTypeSchema xmlns:ct="http://schemas.microsoft.com/office/2006/metadata/contentType" xmlns:ma="http://schemas.microsoft.com/office/2006/metadata/properties/metaAttributes" ct:_="" ma:_="" ma:contentTypeName="Document" ma:contentTypeID="0x01010079F111ED35F8CC479449609E8A0923A6" ma:contentTypeVersion="28" ma:contentTypeDescription="Create a new document." ma:contentTypeScope="" ma:versionID="60f5a4f2d2b0abadcf532d48ebf9cb71">
   <xsd:schema xmlns:xsd="http://www.w3.org/2001/XMLSchema" xmlns:xs="http://www.w3.org/2001/XMLSchema" xmlns:p="http://schemas.microsoft.com/office/2006/metadata/properties" xmlns:ns1="http://schemas.microsoft.com/sharepoint/v3" xmlns:ns2="71af3243-3dd4-4a8d-8c0d-dd76da1f02a5" xmlns:ns3="16c05727-aa75-4e4a-9b5f-8a80a1165891" xmlns:ns4="230e9df3-be65-4c73-a93b-d1236ebd677e" targetNamespace="http://schemas.microsoft.com/office/2006/metadata/properties" ma:root="true" ma:fieldsID="7dd78129e6a1811f84807ad11c651531" ns1:_="" ns2:_="" ns3:_="" ns4:_="">
     <xsd:import namespace="http://schemas.microsoft.com/sharepoint/v3"/>
@@ -22653,26 +22731,6 @@
 </ct:contentTypeSchema>
 </file>
 
-<file path=customXml/item2.xml><?xml version="1.0" encoding="utf-8"?>
-<p:properties xmlns:p="http://schemas.microsoft.com/office/2006/metadata/properties" xmlns:xsi="http://www.w3.org/2001/XMLSchema-instance" xmlns:pc="http://schemas.microsoft.com/office/infopath/2007/PartnerControls">
-  <documentManagement>
-    <_ip_UnifiedCompliancePolicyUIAction xmlns="http://schemas.microsoft.com/sharepoint/v3" xsi:nil="true"/>
-    <Image xmlns="71af3243-3dd4-4a8d-8c0d-dd76da1f02a5">
-      <Url xsi:nil="true"/>
-      <Description xsi:nil="true"/>
-    </Image>
-    <Status xmlns="71af3243-3dd4-4a8d-8c0d-dd76da1f02a5">Not started</Status>
-    <Background xmlns="71af3243-3dd4-4a8d-8c0d-dd76da1f02a5">false</Background>
-    <_ip_UnifiedCompliancePolicyProperties xmlns="http://schemas.microsoft.com/sharepoint/v3" xsi:nil="true"/>
-    <ImageTagsTaxHTField xmlns="71af3243-3dd4-4a8d-8c0d-dd76da1f02a5">
-      <Terms xmlns="http://schemas.microsoft.com/office/infopath/2007/PartnerControls"/>
-    </ImageTagsTaxHTField>
-    <TaxCatchAll xmlns="230e9df3-be65-4c73-a93b-d1236ebd677e" xsi:nil="true"/>
-    <MediaServiceKeyPoints xmlns="71af3243-3dd4-4a8d-8c0d-dd76da1f02a5" xsi:nil="true"/>
-  </documentManagement>
-</p:properties>
-</file>
-
 <file path=customXml/item3.xml><?xml version="1.0" encoding="utf-8"?>
 <?mso-contentType ?>
 <FormTemplates xmlns="http://schemas.microsoft.com/sharepoint/v3/contenttype/forms">
@@ -22683,6 +22741,18 @@
 </file>
 
 <file path=customXml/itemProps1.xml><?xml version="1.0" encoding="utf-8"?>
+<ds:datastoreItem xmlns:ds="http://schemas.openxmlformats.org/officeDocument/2006/customXml" ds:itemID="{BA719FA4-954C-4FA8-82CB-206659C3B826}">
+  <ds:schemaRefs>
+    <ds:schemaRef ds:uri="http://schemas.microsoft.com/office/2006/metadata/properties"/>
+    <ds:schemaRef ds:uri="http://schemas.microsoft.com/office/infopath/2007/PartnerControls"/>
+    <ds:schemaRef ds:uri="http://schemas.microsoft.com/sharepoint/v3"/>
+    <ds:schemaRef ds:uri="71af3243-3dd4-4a8d-8c0d-dd76da1f02a5"/>
+    <ds:schemaRef ds:uri="230e9df3-be65-4c73-a93b-d1236ebd677e"/>
+  </ds:schemaRefs>
+</ds:datastoreItem>
+</file>
+
+<file path=customXml/itemProps2.xml><?xml version="1.0" encoding="utf-8"?>
 <ds:datastoreItem xmlns:ds="http://schemas.openxmlformats.org/officeDocument/2006/customXml" ds:itemID="{04948363-B267-4BAC-8655-100FBEC280C1}">
   <ds:schemaRefs>
     <ds:schemaRef ds:uri="http://schemas.microsoft.com/office/2006/metadata/contentType"/>
@@ -22703,18 +22773,6 @@
 </ds:datastoreItem>
 </file>
 
-<file path=customXml/itemProps2.xml><?xml version="1.0" encoding="utf-8"?>
-<ds:datastoreItem xmlns:ds="http://schemas.openxmlformats.org/officeDocument/2006/customXml" ds:itemID="{BA719FA4-954C-4FA8-82CB-206659C3B826}">
-  <ds:schemaRefs>
-    <ds:schemaRef ds:uri="http://schemas.microsoft.com/office/2006/metadata/properties"/>
-    <ds:schemaRef ds:uri="http://schemas.microsoft.com/office/infopath/2007/PartnerControls"/>
-    <ds:schemaRef ds:uri="http://schemas.microsoft.com/sharepoint/v3"/>
-    <ds:schemaRef ds:uri="71af3243-3dd4-4a8d-8c0d-dd76da1f02a5"/>
-    <ds:schemaRef ds:uri="230e9df3-be65-4c73-a93b-d1236ebd677e"/>
-  </ds:schemaRefs>
-</ds:datastoreItem>
-</file>
-
 <file path=customXml/itemProps3.xml><?xml version="1.0" encoding="utf-8"?>
 <ds:datastoreItem xmlns:ds="http://schemas.openxmlformats.org/officeDocument/2006/customXml" ds:itemID="{16DBB56F-4362-4386-A1A1-3DF898896616}">
   <ds:schemaRefs>
